--- a/Agent/PEILab-20250916 Boosting Embodied AI Agents through.pptx
+++ b/Agent/PEILab-20250916 Boosting Embodied AI Agents through.pptx
@@ -12,9 +12,10 @@
     <p:sldId id="256" r:id="rId4"/>
     <p:sldId id="725" r:id="rId6"/>
     <p:sldId id="757" r:id="rId7"/>
-    <p:sldId id="774" r:id="rId8"/>
-    <p:sldId id="775" r:id="rId9"/>
-    <p:sldId id="776" r:id="rId10"/>
+    <p:sldId id="777" r:id="rId8"/>
+    <p:sldId id="774" r:id="rId9"/>
+    <p:sldId id="775" r:id="rId10"/>
+    <p:sldId id="776" r:id="rId11"/>
   </p:sldIdLst>
   <p:sldSz cx="12192000" cy="6858000"/>
   <p:notesSz cx="6858000" cy="9144000"/>
@@ -760,6 +761,54 @@
 </file>
 
 <file path=ppt/notesSlides/notesSlide6.xml><?xml version="1.0" encoding="utf-8"?>
+<p:notes xmlns:a="http://schemas.openxmlformats.org/drawingml/2006/main" xmlns:r="http://schemas.openxmlformats.org/officeDocument/2006/relationships" xmlns:p="http://schemas.openxmlformats.org/presentationml/2006/main">
+  <p:cSld>
+    <p:spTree>
+      <p:nvGrpSpPr>
+        <p:cNvPr id="1" name=""/>
+        <p:cNvGrpSpPr/>
+        <p:nvPr/>
+      </p:nvGrpSpPr>
+      <p:grpSpPr/>
+      <p:sp>
+        <p:nvSpPr>
+          <p:cNvPr id="2" name="幻灯片图像占位符 1"/>
+          <p:cNvSpPr>
+            <a:spLocks noGrp="1"/>
+          </p:cNvSpPr>
+          <p:nvPr>
+            <p:ph type="sldImg" idx="2"/>
+          </p:nvPr>
+        </p:nvSpPr>
+        <p:spPr/>
+      </p:sp>
+      <p:sp>
+        <p:nvSpPr>
+          <p:cNvPr id="3" name="文本占位符 2"/>
+          <p:cNvSpPr>
+            <a:spLocks noGrp="1"/>
+          </p:cNvSpPr>
+          <p:nvPr>
+            <p:ph type="body" idx="3"/>
+          </p:nvPr>
+        </p:nvSpPr>
+        <p:spPr/>
+        <p:txBody>
+          <a:bodyPr/>
+          <a:p>
+            <a:endParaRPr lang="zh-CN" altLang="en-US"/>
+          </a:p>
+        </p:txBody>
+      </p:sp>
+    </p:spTree>
+  </p:cSld>
+  <p:clrMapOvr>
+    <a:masterClrMapping/>
+  </p:clrMapOvr>
+</p:notes>
+</file>
+
+<file path=ppt/notesSlides/notesSlide7.xml><?xml version="1.0" encoding="utf-8"?>
 <p:notes xmlns:a="http://schemas.openxmlformats.org/drawingml/2006/main" xmlns:r="http://schemas.openxmlformats.org/officeDocument/2006/relationships" xmlns:p="http://schemas.openxmlformats.org/presentationml/2006/main">
   <p:cSld>
     <p:spTree>
@@ -10525,14 +10574,78 @@
         </p:blipFill>
         <p:spPr>
           <a:xfrm>
-            <a:off x="217805" y="3757930"/>
-            <a:ext cx="3919220" cy="2355215"/>
+            <a:off x="217805" y="3292475"/>
+            <a:ext cx="4693920" cy="2820670"/>
           </a:xfrm>
           <a:prstGeom prst="rect">
             <a:avLst/>
           </a:prstGeom>
         </p:spPr>
       </p:pic>
+      <p:sp>
+        <p:nvSpPr>
+          <p:cNvPr id="3" name="文本框 2"/>
+          <p:cNvSpPr txBox="1"/>
+          <p:nvPr/>
+        </p:nvSpPr>
+        <p:spPr>
+          <a:xfrm>
+            <a:off x="5455285" y="3757930"/>
+            <a:ext cx="6785610" cy="1753235"/>
+          </a:xfrm>
+          <a:prstGeom prst="rect">
+            <a:avLst/>
+          </a:prstGeom>
+          <a:noFill/>
+        </p:spPr>
+        <p:txBody>
+          <a:bodyPr wrap="square" rtlCol="0">
+            <a:spAutoFit/>
+          </a:bodyPr>
+          <a:p>
+            <a:r>
+              <a:rPr lang="en-US" altLang="zh-CN"/>
+              <a:t>Specifically, each image captured by the camera triggers a</a:t>
+            </a:r>
+            <a:endParaRPr lang="en-US" altLang="zh-CN"/>
+          </a:p>
+          <a:p>
+            <a:r>
+              <a:rPr lang="en-US" altLang="zh-CN"/>
+              <a:t>request within the embodied system. This request undergoes</a:t>
+            </a:r>
+            <a:endParaRPr lang="en-US" altLang="zh-CN"/>
+          </a:p>
+          <a:p>
+            <a:r>
+              <a:rPr lang="en-US" altLang="zh-CN"/>
+              <a:t>the thinking process to generate an action for the robotics.</a:t>
+            </a:r>
+            <a:endParaRPr lang="en-US" altLang="zh-CN"/>
+          </a:p>
+          <a:p>
+            <a:r>
+              <a:rPr lang="en-US" altLang="zh-CN"/>
+              <a:t>Any additional requests generated during this period are</a:t>
+            </a:r>
+            <a:endParaRPr lang="en-US" altLang="zh-CN"/>
+          </a:p>
+          <a:p>
+            <a:r>
+              <a:rPr lang="en-US" altLang="zh-CN"/>
+              <a:t>discarded until the current request completes the overall</a:t>
+            </a:r>
+            <a:endParaRPr lang="en-US" altLang="zh-CN"/>
+          </a:p>
+          <a:p>
+            <a:r>
+              <a:rPr lang="en-US" altLang="zh-CN"/>
+              <a:t>action generation process</a:t>
+            </a:r>
+            <a:endParaRPr lang="zh-CN" altLang="en-US"/>
+          </a:p>
+        </p:txBody>
+      </p:sp>
     </p:spTree>
   </p:cSld>
   <p:clrMapOvr>
@@ -10616,9 +10729,186 @@
           </a:p>
         </p:txBody>
       </p:sp>
+      <p:sp>
+        <p:nvSpPr>
+          <p:cNvPr id="2" name="文本框 1"/>
+          <p:cNvSpPr txBox="1"/>
+          <p:nvPr/>
+        </p:nvSpPr>
+        <p:spPr>
+          <a:xfrm>
+            <a:off x="217805" y="1581150"/>
+            <a:ext cx="4064000" cy="368300"/>
+          </a:xfrm>
+          <a:prstGeom prst="rect">
+            <a:avLst/>
+          </a:prstGeom>
+          <a:noFill/>
+        </p:spPr>
+        <p:txBody>
+          <a:bodyPr wrap="square" rtlCol="0">
+            <a:spAutoFit/>
+          </a:bodyPr>
+          <a:p>
+            <a:r>
+              <a:rPr lang="en-US" altLang="zh-CN" b="1"/>
+              <a:t>Challenge</a:t>
+            </a:r>
+            <a:endParaRPr lang="en-US" altLang="zh-CN" b="1"/>
+          </a:p>
+        </p:txBody>
+      </p:sp>
+      <p:sp>
+        <p:nvSpPr>
+          <p:cNvPr id="6" name="文本框 5"/>
+          <p:cNvSpPr txBox="1"/>
+          <p:nvPr/>
+        </p:nvSpPr>
+        <p:spPr>
+          <a:xfrm>
+            <a:off x="217805" y="3801745"/>
+            <a:ext cx="10095230" cy="2799715"/>
+          </a:xfrm>
+          <a:prstGeom prst="rect">
+            <a:avLst/>
+          </a:prstGeom>
+        </p:spPr>
+        <p:txBody>
+          <a:bodyPr wrap="square">
+            <a:spAutoFit/>
+          </a:bodyPr>
+          <a:p>
+            <a:r>
+              <a:rPr lang="en-US" altLang="zh-CN" sz="1600">
+                <a:solidFill>
+                  <a:srgbClr val="000000"/>
+                </a:solidFill>
+                <a:latin typeface="Arial" panose="020B0604020202020204" pitchFamily="34" charset="0"/>
+                <a:ea typeface="LinLibertineT"/>
+                <a:cs typeface="Arial" panose="020B0604020202020204" pitchFamily="34" charset="0"/>
+              </a:rPr>
+              <a:t>The key obstacle to making good use of current hardwareis that the </a:t>
+            </a:r>
+            <a:r>
+              <a:rPr lang="en-US" altLang="zh-CN" sz="1600" b="1">
+                <a:solidFill>
+                  <a:srgbClr val="000000"/>
+                </a:solidFill>
+                <a:latin typeface="Arial" panose="020B0604020202020204" pitchFamily="34" charset="0"/>
+                <a:ea typeface="LinLibertineTB"/>
+                <a:cs typeface="Arial" panose="020B0604020202020204" pitchFamily="34" charset="0"/>
+              </a:rPr>
+              <a:t>perception </a:t>
+            </a:r>
+            <a:r>
+              <a:rPr lang="en-US" altLang="zh-CN" sz="1600">
+                <a:solidFill>
+                  <a:srgbClr val="000000"/>
+                </a:solidFill>
+                <a:latin typeface="Arial" panose="020B0604020202020204" pitchFamily="34" charset="0"/>
+                <a:ea typeface="LinLibertineT"/>
+                <a:cs typeface="Arial" panose="020B0604020202020204" pitchFamily="34" charset="0"/>
+              </a:rPr>
+              <a:t>and </a:t>
+            </a:r>
+            <a:r>
+              <a:rPr lang="en-US" altLang="zh-CN" sz="1600" b="1">
+                <a:solidFill>
+                  <a:srgbClr val="000000"/>
+                </a:solidFill>
+                <a:latin typeface="Arial" panose="020B0604020202020204" pitchFamily="34" charset="0"/>
+                <a:ea typeface="LinLibertineTB"/>
+                <a:cs typeface="Arial" panose="020B0604020202020204" pitchFamily="34" charset="0"/>
+              </a:rPr>
+              <a:t>generation </a:t>
+            </a:r>
+            <a:r>
+              <a:rPr lang="en-US" altLang="zh-CN" sz="1600">
+                <a:solidFill>
+                  <a:srgbClr val="000000"/>
+                </a:solidFill>
+                <a:latin typeface="Arial" panose="020B0604020202020204" pitchFamily="34" charset="0"/>
+                <a:ea typeface="LinLibertineT"/>
+                <a:cs typeface="Arial" panose="020B0604020202020204" pitchFamily="34" charset="0"/>
+              </a:rPr>
+              <a:t>are predominantly implemented in a closed-loop pattern. The sequential compuation of requests hinders possible throughput improvement. There is potential to improve the thinking throughput by increasing the parallelism, but two challenges appear.</a:t>
+            </a:r>
+            <a:endParaRPr lang="en-US" altLang="zh-CN" sz="1600">
+              <a:solidFill>
+                <a:srgbClr val="000000"/>
+              </a:solidFill>
+              <a:latin typeface="Arial" panose="020B0604020202020204" pitchFamily="34" charset="0"/>
+              <a:ea typeface="LinLibertineT"/>
+              <a:cs typeface="Arial" panose="020B0604020202020204" pitchFamily="34" charset="0"/>
+            </a:endParaRPr>
+          </a:p>
+          <a:p>
+            <a:endParaRPr lang="en-US" altLang="zh-CN" sz="1600">
+              <a:solidFill>
+                <a:srgbClr val="000000"/>
+              </a:solidFill>
+              <a:latin typeface="Arial" panose="020B0604020202020204" pitchFamily="34" charset="0"/>
+              <a:ea typeface="LinLibertineT"/>
+              <a:cs typeface="Arial" panose="020B0604020202020204" pitchFamily="34" charset="0"/>
+            </a:endParaRPr>
+          </a:p>
+          <a:p>
+            <a:r>
+              <a:rPr lang="en-US" altLang="zh-CN" sz="1600">
+                <a:solidFill>
+                  <a:srgbClr val="000000"/>
+                </a:solidFill>
+                <a:latin typeface="Arial" panose="020B0604020202020204" pitchFamily="34" charset="0"/>
+                <a:ea typeface="LinLibertineT"/>
+                <a:cs typeface="Arial" panose="020B0604020202020204" pitchFamily="34" charset="0"/>
+              </a:rPr>
+              <a:t>First, by parallelizing the original sequential requests, concurrent requests may interfere with each other using techniques such as CUDA multi-stream [1]. This interference hinders the agent from providing stable and high throughput (e.g., the output interval has an 89.8% fluctuation on average). </a:t>
+            </a:r>
+            <a:endParaRPr lang="en-US" altLang="zh-CN" sz="1600">
+              <a:solidFill>
+                <a:srgbClr val="000000"/>
+              </a:solidFill>
+              <a:latin typeface="Arial" panose="020B0604020202020204" pitchFamily="34" charset="0"/>
+              <a:ea typeface="LinLibertineT"/>
+              <a:cs typeface="Arial" panose="020B0604020202020204" pitchFamily="34" charset="0"/>
+            </a:endParaRPr>
+          </a:p>
+          <a:p>
+            <a:endParaRPr lang="en-US" altLang="zh-CN" sz="1600">
+              <a:solidFill>
+                <a:srgbClr val="000000"/>
+              </a:solidFill>
+              <a:latin typeface="Arial" panose="020B0604020202020204" pitchFamily="34" charset="0"/>
+              <a:ea typeface="LinLibertineT"/>
+              <a:cs typeface="Arial" panose="020B0604020202020204" pitchFamily="34" charset="0"/>
+            </a:endParaRPr>
+          </a:p>
+          <a:p>
+            <a:r>
+              <a:rPr lang="en-US" altLang="zh-CN" sz="1600">
+                <a:solidFill>
+                  <a:srgbClr val="000000"/>
+                </a:solidFill>
+                <a:latin typeface="Arial" panose="020B0604020202020204" pitchFamily="34" charset="0"/>
+                <a:ea typeface="LinLibertineT"/>
+                <a:cs typeface="Arial" panose="020B0604020202020204" pitchFamily="34" charset="0"/>
+              </a:rPr>
+              <a:t>Second, the latency of each request may be prolonged when paralleled as depicted in Figure 1(b), causing the “thinking”  process to compute on staled data, thereby decreasing the agent’s accuracy</a:t>
+            </a:r>
+            <a:endParaRPr lang="en-US" altLang="zh-CN" sz="1600">
+              <a:solidFill>
+                <a:srgbClr val="000000"/>
+              </a:solidFill>
+              <a:latin typeface="Arial" panose="020B0604020202020204" pitchFamily="34" charset="0"/>
+              <a:ea typeface="LinLibertineT"/>
+              <a:cs typeface="Arial" panose="020B0604020202020204" pitchFamily="34" charset="0"/>
+            </a:endParaRPr>
+          </a:p>
+        </p:txBody>
+      </p:sp>
       <p:pic>
         <p:nvPicPr>
-          <p:cNvPr id="2" name="图片 1"/>
+          <p:cNvPr id="7" name="图片 6"/>
           <p:cNvPicPr>
             <a:picLocks noChangeAspect="1"/>
           </p:cNvPicPr>
@@ -10632,32 +10922,8 @@
         </p:blipFill>
         <p:spPr>
           <a:xfrm>
-            <a:off x="217805" y="1503045"/>
-            <a:ext cx="5194300" cy="4554855"/>
-          </a:xfrm>
-          <a:prstGeom prst="rect">
-            <a:avLst/>
-          </a:prstGeom>
-        </p:spPr>
-      </p:pic>
-      <p:pic>
-        <p:nvPicPr>
-          <p:cNvPr id="3" name="图片 2"/>
-          <p:cNvPicPr>
-            <a:picLocks noChangeAspect="1"/>
-          </p:cNvPicPr>
-          <p:nvPr/>
-        </p:nvPicPr>
-        <p:blipFill>
-          <a:blip r:embed="rId2"/>
-          <a:stretch>
-            <a:fillRect/>
-          </a:stretch>
-        </p:blipFill>
-        <p:spPr>
-          <a:xfrm>
-            <a:off x="6682740" y="1503045"/>
-            <a:ext cx="4172585" cy="4020185"/>
+            <a:off x="2247265" y="1413510"/>
+            <a:ext cx="3974465" cy="2388235"/>
           </a:xfrm>
           <a:prstGeom prst="rect">
             <a:avLst/>
@@ -10763,38 +11029,78 @@
         </p:blipFill>
         <p:spPr>
           <a:xfrm>
-            <a:off x="217805" y="1668145"/>
-            <a:ext cx="5973445" cy="4361180"/>
+            <a:off x="217805" y="1503045"/>
+            <a:ext cx="5194300" cy="4554855"/>
           </a:xfrm>
           <a:prstGeom prst="rect">
             <a:avLst/>
           </a:prstGeom>
         </p:spPr>
       </p:pic>
-      <p:pic>
-        <p:nvPicPr>
-          <p:cNvPr id="3" name="图片 2"/>
-          <p:cNvPicPr>
-            <a:picLocks noChangeAspect="1"/>
-          </p:cNvPicPr>
+      <p:sp>
+        <p:nvSpPr>
+          <p:cNvPr id="4" name="文本框 3"/>
+          <p:cNvSpPr txBox="1"/>
           <p:nvPr/>
-        </p:nvPicPr>
-        <p:blipFill>
-          <a:blip r:embed="rId2"/>
-          <a:stretch>
-            <a:fillRect/>
-          </a:stretch>
-        </p:blipFill>
-        <p:spPr>
-          <a:xfrm>
-            <a:off x="6854190" y="1668145"/>
-            <a:ext cx="5120640" cy="4824730"/>
+        </p:nvSpPr>
+        <p:spPr>
+          <a:xfrm>
+            <a:off x="5810885" y="3061017"/>
+            <a:ext cx="5080000" cy="1814830"/>
           </a:xfrm>
           <a:prstGeom prst="rect">
             <a:avLst/>
           </a:prstGeom>
         </p:spPr>
-      </p:pic>
+        <p:txBody>
+          <a:bodyPr>
+            <a:spAutoFit/>
+          </a:bodyPr>
+          <a:p>
+            <a:r>
+              <a:rPr lang="en-US" altLang="zh-CN" sz="1600">
+                <a:solidFill>
+                  <a:srgbClr val="000000"/>
+                </a:solidFill>
+                <a:latin typeface="Arial" panose="020B0604020202020204" pitchFamily="34" charset="0"/>
+                <a:ea typeface="LinLibertineT"/>
+                <a:cs typeface="Arial" panose="020B0604020202020204" pitchFamily="34" charset="0"/>
+              </a:rPr>
+              <a:t>The perception module receives multiple modal data as input and encodes them into a unified latent space, namely </a:t>
+            </a:r>
+            <a:r>
+              <a:rPr lang="en-US" altLang="zh-CN" sz="1600" b="1">
+                <a:solidFill>
+                  <a:srgbClr val="000000"/>
+                </a:solidFill>
+                <a:latin typeface="Arial" panose="020B0604020202020204" pitchFamily="34" charset="0"/>
+                <a:ea typeface="LinLibertineTB"/>
+                <a:cs typeface="Arial" panose="020B0604020202020204" pitchFamily="34" charset="0"/>
+              </a:rPr>
+              <a:t>context</a:t>
+            </a:r>
+            <a:r>
+              <a:rPr lang="en-US" altLang="zh-CN" sz="1600">
+                <a:solidFill>
+                  <a:srgbClr val="000000"/>
+                </a:solidFill>
+                <a:latin typeface="Arial" panose="020B0604020202020204" pitchFamily="34" charset="0"/>
+                <a:ea typeface="LinLibertineT"/>
+                <a:cs typeface="Arial" panose="020B0604020202020204" pitchFamily="34" charset="0"/>
+              </a:rPr>
+              <a:t>. In the phase of generating actions or responses, current end-toend embodied agents mainly leverage generative algorithms, because they have the ability to “think” iteratively and perform better in reasoning and planning</a:t>
+            </a:r>
+            <a:endParaRPr lang="en-US" altLang="zh-CN" sz="1600">
+              <a:solidFill>
+                <a:srgbClr val="000000"/>
+              </a:solidFill>
+              <a:latin typeface="Arial" panose="020B0604020202020204" pitchFamily="34" charset="0"/>
+              <a:ea typeface="LinLibertineT"/>
+              <a:cs typeface="Arial" panose="020B0604020202020204" pitchFamily="34" charset="0"/>
+            </a:endParaRPr>
+          </a:p>
+        </p:txBody>
+      </p:sp>
     </p:spTree>
   </p:cSld>
   <p:clrMapOvr>
@@ -10878,6 +11184,303 @@
           </a:p>
         </p:txBody>
       </p:sp>
+      <p:pic>
+        <p:nvPicPr>
+          <p:cNvPr id="2" name="图片 1"/>
+          <p:cNvPicPr>
+            <a:picLocks noChangeAspect="1"/>
+          </p:cNvPicPr>
+          <p:nvPr/>
+        </p:nvPicPr>
+        <p:blipFill>
+          <a:blip r:embed="rId1"/>
+          <a:stretch>
+            <a:fillRect/>
+          </a:stretch>
+        </p:blipFill>
+        <p:spPr>
+          <a:xfrm>
+            <a:off x="217805" y="1311910"/>
+            <a:ext cx="3578860" cy="2613025"/>
+          </a:xfrm>
+          <a:prstGeom prst="rect">
+            <a:avLst/>
+          </a:prstGeom>
+        </p:spPr>
+      </p:pic>
+      <p:pic>
+        <p:nvPicPr>
+          <p:cNvPr id="3" name="图片 2"/>
+          <p:cNvPicPr>
+            <a:picLocks noChangeAspect="1"/>
+          </p:cNvPicPr>
+          <p:nvPr/>
+        </p:nvPicPr>
+        <p:blipFill>
+          <a:blip r:embed="rId2"/>
+          <a:stretch>
+            <a:fillRect/>
+          </a:stretch>
+        </p:blipFill>
+        <p:spPr>
+          <a:xfrm>
+            <a:off x="217805" y="3924935"/>
+            <a:ext cx="3564255" cy="2585085"/>
+          </a:xfrm>
+          <a:prstGeom prst="rect">
+            <a:avLst/>
+          </a:prstGeom>
+        </p:spPr>
+      </p:pic>
+      <p:sp>
+        <p:nvSpPr>
+          <p:cNvPr id="4" name="文本框 3"/>
+          <p:cNvSpPr txBox="1"/>
+          <p:nvPr/>
+        </p:nvSpPr>
+        <p:spPr>
+          <a:xfrm>
+            <a:off x="3820160" y="1405255"/>
+            <a:ext cx="8157210" cy="497840"/>
+          </a:xfrm>
+          <a:prstGeom prst="rect">
+            <a:avLst/>
+          </a:prstGeom>
+          <a:noFill/>
+        </p:spPr>
+        <p:txBody>
+          <a:bodyPr wrap="square" rtlCol="0">
+            <a:noAutofit/>
+          </a:bodyPr>
+          <a:p>
+            <a:r>
+              <a:rPr lang="en-US" altLang="zh-CN" b="1"/>
+              <a:t>Challenge 1: Uncontrolled parallelism provides suboptimal throughput.</a:t>
+            </a:r>
+            <a:endParaRPr lang="en-US" altLang="zh-CN" b="1"/>
+          </a:p>
+        </p:txBody>
+      </p:sp>
+      <p:sp>
+        <p:nvSpPr>
+          <p:cNvPr id="5" name="文本框 4"/>
+          <p:cNvSpPr txBox="1"/>
+          <p:nvPr/>
+        </p:nvSpPr>
+        <p:spPr>
+          <a:xfrm>
+            <a:off x="3782060" y="3707130"/>
+            <a:ext cx="5986780" cy="368300"/>
+          </a:xfrm>
+          <a:prstGeom prst="rect">
+            <a:avLst/>
+          </a:prstGeom>
+          <a:noFill/>
+        </p:spPr>
+        <p:txBody>
+          <a:bodyPr wrap="square" rtlCol="0">
+            <a:spAutoFit/>
+          </a:bodyPr>
+          <a:p>
+            <a:r>
+              <a:rPr lang="en-US" altLang="zh-CN" b="1"/>
+              <a:t>Challenge 2: Staled data degrades agent accuracy.</a:t>
+            </a:r>
+            <a:endParaRPr lang="zh-CN" altLang="en-US" b="1"/>
+          </a:p>
+        </p:txBody>
+      </p:sp>
+      <p:sp>
+        <p:nvSpPr>
+          <p:cNvPr id="6" name="文本框 5"/>
+          <p:cNvSpPr txBox="1"/>
+          <p:nvPr/>
+        </p:nvSpPr>
+        <p:spPr>
+          <a:xfrm>
+            <a:off x="3726815" y="1903095"/>
+            <a:ext cx="8764905" cy="1753235"/>
+          </a:xfrm>
+          <a:prstGeom prst="rect">
+            <a:avLst/>
+          </a:prstGeom>
+          <a:noFill/>
+        </p:spPr>
+        <p:txBody>
+          <a:bodyPr wrap="square" rtlCol="0">
+            <a:spAutoFit/>
+          </a:bodyPr>
+          <a:p>
+            <a:r>
+              <a:rPr lang="en-US" altLang="zh-CN"/>
+              <a:t>Structured pipeline parallelism can provide high and stable throughput for embodied AI. It is challenging to manage the parallelism pattern for embodied AI systems because both perception and generation within the system are required to be parallelized for optimal execution. This leads to a complex parallelism configuration space, only by finding out a reasonable configuration within it can help to achieve</a:t>
+            </a:r>
+            <a:endParaRPr lang="en-US" altLang="zh-CN"/>
+          </a:p>
+          <a:p>
+            <a:r>
+              <a:rPr lang="en-US" altLang="zh-CN"/>
+              <a:t>both high throughput and agent accuracy.</a:t>
+            </a:r>
+            <a:endParaRPr lang="en-US" altLang="zh-CN"/>
+          </a:p>
+        </p:txBody>
+      </p:sp>
+      <p:pic>
+        <p:nvPicPr>
+          <p:cNvPr id="7" name="图片 6"/>
+          <p:cNvPicPr>
+            <a:picLocks noChangeAspect="1"/>
+          </p:cNvPicPr>
+          <p:nvPr/>
+        </p:nvPicPr>
+        <p:blipFill>
+          <a:blip r:embed="rId3"/>
+          <a:stretch>
+            <a:fillRect/>
+          </a:stretch>
+        </p:blipFill>
+        <p:spPr>
+          <a:xfrm>
+            <a:off x="3796665" y="4126230"/>
+            <a:ext cx="4263390" cy="2267585"/>
+          </a:xfrm>
+          <a:prstGeom prst="rect">
+            <a:avLst/>
+          </a:prstGeom>
+        </p:spPr>
+      </p:pic>
+    </p:spTree>
+  </p:cSld>
+  <p:clrMapOvr>
+    <a:masterClrMapping/>
+  </p:clrMapOvr>
+</p:sld>
+</file>
+
+<file path=ppt/slides/slide7.xml><?xml version="1.0" encoding="utf-8"?>
+<p:sld xmlns:a="http://schemas.openxmlformats.org/drawingml/2006/main" xmlns:r="http://schemas.openxmlformats.org/officeDocument/2006/relationships" xmlns:p="http://schemas.openxmlformats.org/presentationml/2006/main">
+  <p:cSld>
+    <p:spTree>
+      <p:nvGrpSpPr>
+        <p:cNvPr id="1" name=""/>
+        <p:cNvGrpSpPr/>
+        <p:nvPr/>
+      </p:nvGrpSpPr>
+      <p:grpSpPr>
+        <a:xfrm>
+          <a:off x="0" y="0"/>
+          <a:ext cx="0" cy="0"/>
+          <a:chOff x="0" y="0"/>
+          <a:chExt cx="0" cy="0"/>
+        </a:xfrm>
+      </p:grpSpPr>
+      <p:sp>
+        <p:nvSpPr>
+          <p:cNvPr id="32" name="标题 31"/>
+          <p:cNvSpPr>
+            <a:spLocks noGrp="1"/>
+          </p:cNvSpPr>
+          <p:nvPr>
+            <p:ph type="title"/>
+          </p:nvPr>
+        </p:nvSpPr>
+        <p:spPr>
+          <a:xfrm>
+            <a:off x="217805" y="62230"/>
+            <a:ext cx="11757025" cy="908050"/>
+          </a:xfrm>
+        </p:spPr>
+        <p:txBody>
+          <a:bodyPr>
+            <a:noAutofit/>
+          </a:bodyPr>
+          <a:lstStyle/>
+          <a:p>
+            <a:pPr algn="l"/>
+            <a:br>
+              <a:rPr lang="en-US" altLang="zh-CN" sz="3200" b="1" dirty="0">
+                <a:latin typeface="+mn-lt"/>
+                <a:ea typeface="+mn-ea"/>
+                <a:cs typeface="+mn-ea"/>
+                <a:sym typeface="+mn-lt"/>
+              </a:rPr>
+            </a:br>
+            <a:r>
+              <a:rPr lang="en-US" altLang="zh-CN" sz="3200" b="1" dirty="0">
+                <a:latin typeface="+mn-lt"/>
+                <a:ea typeface="+mn-ea"/>
+                <a:cs typeface="+mn-ea"/>
+                <a:sym typeface="+mn-lt"/>
+              </a:rPr>
+              <a:t>Auras</a:t>
+            </a:r>
+            <a:r>
+              <a:rPr lang="en-US" altLang="zh-CN" sz="3200" b="1" dirty="0">
+                <a:latin typeface="+mn-lt"/>
+                <a:ea typeface="+mn-ea"/>
+                <a:cs typeface="+mn-ea"/>
+                <a:sym typeface="+mn-lt"/>
+              </a:rPr>
+              <a:t> </a:t>
+            </a:r>
+            <a:endParaRPr lang="en-US" altLang="zh-CN" sz="3200" b="1" dirty="0">
+              <a:latin typeface="+mn-lt"/>
+              <a:ea typeface="+mn-ea"/>
+              <a:cs typeface="+mn-ea"/>
+              <a:sym typeface="+mn-lt"/>
+            </a:endParaRPr>
+          </a:p>
+        </p:txBody>
+      </p:sp>
+      <p:pic>
+        <p:nvPicPr>
+          <p:cNvPr id="2" name="图片 1"/>
+          <p:cNvPicPr>
+            <a:picLocks noChangeAspect="1"/>
+          </p:cNvPicPr>
+          <p:nvPr/>
+        </p:nvPicPr>
+        <p:blipFill>
+          <a:blip r:embed="rId1"/>
+          <a:stretch>
+            <a:fillRect/>
+          </a:stretch>
+        </p:blipFill>
+        <p:spPr>
+          <a:xfrm>
+            <a:off x="272415" y="1891030"/>
+            <a:ext cx="5591175" cy="3764915"/>
+          </a:xfrm>
+          <a:prstGeom prst="rect">
+            <a:avLst/>
+          </a:prstGeom>
+        </p:spPr>
+      </p:pic>
+      <p:pic>
+        <p:nvPicPr>
+          <p:cNvPr id="3" name="图片 2"/>
+          <p:cNvPicPr>
+            <a:picLocks noChangeAspect="1"/>
+          </p:cNvPicPr>
+          <p:nvPr/>
+        </p:nvPicPr>
+        <p:blipFill>
+          <a:blip r:embed="rId2"/>
+          <a:stretch>
+            <a:fillRect/>
+          </a:stretch>
+        </p:blipFill>
+        <p:spPr>
+          <a:xfrm>
+            <a:off x="6898005" y="1438275"/>
+            <a:ext cx="4328795" cy="5003800"/>
+          </a:xfrm>
+          <a:prstGeom prst="rect">
+            <a:avLst/>
+          </a:prstGeom>
+        </p:spPr>
+      </p:pic>
     </p:spTree>
   </p:cSld>
   <p:clrMapOvr>
